--- a/technin510/Week 9/Technin510 P9 Firebase Database.pptx
+++ b/technin510/Week 9/Technin510 P9 Firebase Database.pptx
@@ -244,7 +244,7 @@
           <a:p>
             <a:fld id="{A05A8C92-F93A-4B8F-957C-08B7A1CAFA84}" type="datetimeFigureOut">
               <a:rPr lang="en-US" smtClean="0"/>
-              <a:t>9/1/2021</a:t>
+              <a:t>9/23/2021</a:t>
             </a:fld>
             <a:endParaRPr lang="en-US"/>
           </a:p>
@@ -409,7 +409,7 @@
           <a:p>
             <a:fld id="{5CB9488C-624A-45B3-B889-9899E6D38415}" type="datetimeFigureOut">
               <a:rPr lang="en-US" smtClean="0"/>
-              <a:t>9/1/2021</a:t>
+              <a:t>9/23/2021</a:t>
             </a:fld>
             <a:endParaRPr lang="en-US"/>
           </a:p>
@@ -21817,7 +21817,7 @@
             </a:r>
             <a:r>
               <a:rPr lang="en-US" sz="2000" dirty="0" err="1"/>
-              <a:t>codepen</a:t>
+              <a:t>CodePen</a:t>
             </a:r>
             <a:r>
               <a:rPr lang="en-US" sz="2000" dirty="0"/>
@@ -22640,40 +22640,6 @@
           </a:fontRef>
         </p:style>
       </p:cxnSp>
-      <p:sp>
-        <p:nvSpPr>
-          <p:cNvPr id="26" name="Rectangle 25">
-            <a:extLst>
-              <a:ext uri="{FF2B5EF4-FFF2-40B4-BE49-F238E27FC236}">
-                <a16:creationId xmlns:a16="http://schemas.microsoft.com/office/drawing/2014/main" id="{06E619DD-385F-4845-8617-FE5C42243F6C}"/>
-              </a:ext>
-            </a:extLst>
-          </p:cNvPr>
-          <p:cNvSpPr/>
-          <p:nvPr/>
-        </p:nvSpPr>
-        <p:spPr>
-          <a:xfrm>
-            <a:off x="5638672" y="5663053"/>
-            <a:ext cx="6096000" cy="253916"/>
-          </a:xfrm>
-          <a:prstGeom prst="rect">
-            <a:avLst/>
-          </a:prstGeom>
-        </p:spPr>
-        <p:txBody>
-          <a:bodyPr>
-            <a:spAutoFit/>
-          </a:bodyPr>
-          <a:lstStyle/>
-          <a:p>
-            <a:r>
-              <a:rPr lang="en-US" sz="1050" dirty="0"/>
-              <a:t>Cookies vs sessions vs tokens: https://www.youtube.com/watch?v=44c1t_cKylo&amp;ab_channel=ValentinDespa</a:t>
-            </a:r>
-          </a:p>
-        </p:txBody>
-      </p:sp>
     </p:spTree>
     <p:extLst>
       <p:ext uri="{BB962C8B-B14F-4D97-AF65-F5344CB8AC3E}">
